--- a/Chapitre_02_Hyperstatisme/Cours/images/Figures.pptx
+++ b/Chapitre_02_Hyperstatisme/Cours/images/Figures.pptx
@@ -6,10 +6,11 @@
   </p:sldMasterIdLst>
   <p:sldIdLst>
     <p:sldId id="256" r:id="rId2"/>
-    <p:sldId id="259" r:id="rId3"/>
-    <p:sldId id="260" r:id="rId4"/>
-    <p:sldId id="258" r:id="rId5"/>
-    <p:sldId id="257" r:id="rId6"/>
+    <p:sldId id="261" r:id="rId3"/>
+    <p:sldId id="259" r:id="rId4"/>
+    <p:sldId id="260" r:id="rId5"/>
+    <p:sldId id="258" r:id="rId6"/>
+    <p:sldId id="257" r:id="rId7"/>
   </p:sldIdLst>
   <p:sldSz cx="9144000" cy="6858000" type="screen4x3"/>
   <p:notesSz cx="6858000" cy="9144000"/>
@@ -292,7 +293,7 @@
           <a:p>
             <a:fld id="{AA309A6D-C09C-4548-B29A-6CF363A7E532}" type="datetimeFigureOut">
               <a:rPr lang="fr-FR" smtClean="0"/>
-              <a:t>25/01/2018</a:t>
+              <a:t>03/02/2018</a:t>
             </a:fld>
             <a:endParaRPr lang="fr-BE"/>
           </a:p>
@@ -457,7 +458,7 @@
           <a:p>
             <a:fld id="{AA309A6D-C09C-4548-B29A-6CF363A7E532}" type="datetimeFigureOut">
               <a:rPr lang="fr-FR" smtClean="0"/>
-              <a:t>25/01/2018</a:t>
+              <a:t>03/02/2018</a:t>
             </a:fld>
             <a:endParaRPr lang="fr-BE"/>
           </a:p>
@@ -632,7 +633,7 @@
           <a:p>
             <a:fld id="{AA309A6D-C09C-4548-B29A-6CF363A7E532}" type="datetimeFigureOut">
               <a:rPr lang="fr-FR" smtClean="0"/>
-              <a:t>25/01/2018</a:t>
+              <a:t>03/02/2018</a:t>
             </a:fld>
             <a:endParaRPr lang="fr-BE"/>
           </a:p>
@@ -797,7 +798,7 @@
           <a:p>
             <a:fld id="{AA309A6D-C09C-4548-B29A-6CF363A7E532}" type="datetimeFigureOut">
               <a:rPr lang="fr-FR" smtClean="0"/>
-              <a:t>25/01/2018</a:t>
+              <a:t>03/02/2018</a:t>
             </a:fld>
             <a:endParaRPr lang="fr-BE"/>
           </a:p>
@@ -1038,7 +1039,7 @@
           <a:p>
             <a:fld id="{AA309A6D-C09C-4548-B29A-6CF363A7E532}" type="datetimeFigureOut">
               <a:rPr lang="fr-FR" smtClean="0"/>
-              <a:t>25/01/2018</a:t>
+              <a:t>03/02/2018</a:t>
             </a:fld>
             <a:endParaRPr lang="fr-BE"/>
           </a:p>
@@ -1321,7 +1322,7 @@
           <a:p>
             <a:fld id="{AA309A6D-C09C-4548-B29A-6CF363A7E532}" type="datetimeFigureOut">
               <a:rPr lang="fr-FR" smtClean="0"/>
-              <a:t>25/01/2018</a:t>
+              <a:t>03/02/2018</a:t>
             </a:fld>
             <a:endParaRPr lang="fr-BE"/>
           </a:p>
@@ -1738,7 +1739,7 @@
           <a:p>
             <a:fld id="{AA309A6D-C09C-4548-B29A-6CF363A7E532}" type="datetimeFigureOut">
               <a:rPr lang="fr-FR" smtClean="0"/>
-              <a:t>25/01/2018</a:t>
+              <a:t>03/02/2018</a:t>
             </a:fld>
             <a:endParaRPr lang="fr-BE"/>
           </a:p>
@@ -1851,7 +1852,7 @@
           <a:p>
             <a:fld id="{AA309A6D-C09C-4548-B29A-6CF363A7E532}" type="datetimeFigureOut">
               <a:rPr lang="fr-FR" smtClean="0"/>
-              <a:t>25/01/2018</a:t>
+              <a:t>03/02/2018</a:t>
             </a:fld>
             <a:endParaRPr lang="fr-BE"/>
           </a:p>
@@ -1941,7 +1942,7 @@
           <a:p>
             <a:fld id="{AA309A6D-C09C-4548-B29A-6CF363A7E532}" type="datetimeFigureOut">
               <a:rPr lang="fr-FR" smtClean="0"/>
-              <a:t>25/01/2018</a:t>
+              <a:t>03/02/2018</a:t>
             </a:fld>
             <a:endParaRPr lang="fr-BE"/>
           </a:p>
@@ -2213,7 +2214,7 @@
           <a:p>
             <a:fld id="{AA309A6D-C09C-4548-B29A-6CF363A7E532}" type="datetimeFigureOut">
               <a:rPr lang="fr-FR" smtClean="0"/>
-              <a:t>25/01/2018</a:t>
+              <a:t>03/02/2018</a:t>
             </a:fld>
             <a:endParaRPr lang="fr-BE"/>
           </a:p>
@@ -2461,7 +2462,7 @@
           <a:p>
             <a:fld id="{AA309A6D-C09C-4548-B29A-6CF363A7E532}" type="datetimeFigureOut">
               <a:rPr lang="fr-FR" smtClean="0"/>
-              <a:t>25/01/2018</a:t>
+              <a:t>03/02/2018</a:t>
             </a:fld>
             <a:endParaRPr lang="fr-BE"/>
           </a:p>
@@ -2669,7 +2670,7 @@
           <a:p>
             <a:fld id="{AA309A6D-C09C-4548-B29A-6CF363A7E532}" type="datetimeFigureOut">
               <a:rPr lang="fr-FR" smtClean="0"/>
-              <a:t>25/01/2018</a:t>
+              <a:t>03/02/2018</a:t>
             </a:fld>
             <a:endParaRPr lang="fr-BE"/>
           </a:p>
@@ -3039,19 +3040,73 @@
           <a:chExt cx="0" cy="0"/>
         </a:xfrm>
       </p:grpSpPr>
+      <p:sp>
+        <p:nvSpPr>
+          <p:cNvPr id="19" name="Ellipse 18"/>
+          <p:cNvSpPr/>
+          <p:nvPr/>
+        </p:nvSpPr>
+        <p:spPr>
+          <a:xfrm>
+            <a:off x="2121603" y="2286412"/>
+            <a:ext cx="866222" cy="866222"/>
+          </a:xfrm>
+          <a:prstGeom prst="ellipse">
+            <a:avLst/>
+          </a:prstGeom>
+          <a:solidFill>
+            <a:schemeClr val="bg1"/>
+          </a:solidFill>
+          <a:ln w="12700">
+            <a:solidFill>
+              <a:schemeClr val="accent5">
+                <a:lumMod val="50000"/>
+              </a:schemeClr>
+            </a:solidFill>
+          </a:ln>
+        </p:spPr>
+        <p:style>
+          <a:lnRef idx="2">
+            <a:schemeClr val="accent1">
+              <a:shade val="50000"/>
+            </a:schemeClr>
+          </a:lnRef>
+          <a:fillRef idx="1">
+            <a:schemeClr val="accent1"/>
+          </a:fillRef>
+          <a:effectRef idx="0">
+            <a:schemeClr val="accent1"/>
+          </a:effectRef>
+          <a:fontRef idx="minor">
+            <a:schemeClr val="lt1"/>
+          </a:fontRef>
+        </p:style>
+        <p:txBody>
+          <a:bodyPr lIns="0" tIns="0" rIns="0" bIns="0" rtlCol="0" anchor="ctr"/>
+          <a:lstStyle/>
+          <a:p>
+            <a:pPr algn="ctr"/>
+            <a:endParaRPr lang="fr-FR" sz="1200" b="1" dirty="0">
+              <a:solidFill>
+                <a:schemeClr val="tx1"/>
+              </a:solidFill>
+            </a:endParaRPr>
+          </a:p>
+        </p:txBody>
+      </p:sp>
       <p:cxnSp>
         <p:nvCxnSpPr>
           <p:cNvPr id="7" name="Connecteur droit 6"/>
           <p:cNvCxnSpPr>
-            <a:stCxn id="4" idx="4"/>
+            <a:stCxn id="17" idx="4"/>
             <a:endCxn id="10" idx="0"/>
           </p:cNvCxnSpPr>
           <p:nvPr/>
         </p:nvCxnSpPr>
         <p:spPr>
           <a:xfrm flipH="1">
-            <a:off x="1068169" y="2042973"/>
-            <a:ext cx="398" cy="84290"/>
+            <a:off x="2411229" y="3020089"/>
+            <a:ext cx="398" cy="408911"/>
           </a:xfrm>
           <a:prstGeom prst="line">
             <a:avLst/>
@@ -3090,7 +3145,7 @@
         </p:nvSpPr>
         <p:spPr>
           <a:xfrm>
-            <a:off x="924684" y="2127263"/>
+            <a:off x="2267744" y="3429000"/>
             <a:ext cx="286969" cy="149609"/>
           </a:xfrm>
           <a:prstGeom prst="rect">
@@ -3139,7 +3194,7 @@
         </p:nvCxnSpPr>
         <p:spPr>
           <a:xfrm flipH="1">
-            <a:off x="924685" y="2127263"/>
+            <a:off x="2267745" y="3429000"/>
             <a:ext cx="286969" cy="0"/>
           </a:xfrm>
           <a:prstGeom prst="line">
@@ -3737,6 +3792,60 @@
           </a:p>
         </p:txBody>
       </p:sp>
+      <p:sp>
+        <p:nvSpPr>
+          <p:cNvPr id="17" name="Ellipse 16"/>
+          <p:cNvSpPr/>
+          <p:nvPr/>
+        </p:nvSpPr>
+        <p:spPr>
+          <a:xfrm>
+            <a:off x="2292046" y="2780928"/>
+            <a:ext cx="239161" cy="239161"/>
+          </a:xfrm>
+          <a:prstGeom prst="ellipse">
+            <a:avLst/>
+          </a:prstGeom>
+          <a:solidFill>
+            <a:schemeClr val="bg1"/>
+          </a:solidFill>
+          <a:ln w="12700">
+            <a:solidFill>
+              <a:schemeClr val="accent5">
+                <a:lumMod val="50000"/>
+              </a:schemeClr>
+            </a:solidFill>
+          </a:ln>
+        </p:spPr>
+        <p:style>
+          <a:lnRef idx="2">
+            <a:schemeClr val="accent1">
+              <a:shade val="50000"/>
+            </a:schemeClr>
+          </a:lnRef>
+          <a:fillRef idx="1">
+            <a:schemeClr val="accent1"/>
+          </a:fillRef>
+          <a:effectRef idx="0">
+            <a:schemeClr val="accent1"/>
+          </a:effectRef>
+          <a:fontRef idx="minor">
+            <a:schemeClr val="lt1"/>
+          </a:fontRef>
+        </p:style>
+        <p:txBody>
+          <a:bodyPr lIns="0" tIns="0" rIns="0" bIns="0" rtlCol="0" anchor="ctr"/>
+          <a:lstStyle/>
+          <a:p>
+            <a:pPr algn="ctr"/>
+            <a:endParaRPr lang="fr-FR" sz="1200" b="1" dirty="0">
+              <a:solidFill>
+                <a:schemeClr val="tx1"/>
+              </a:solidFill>
+            </a:endParaRPr>
+          </a:p>
+        </p:txBody>
+      </p:sp>
     </p:spTree>
     <p:extLst>
       <p:ext uri="{BB962C8B-B14F-4D97-AF65-F5344CB8AC3E}">
@@ -3751,6 +3860,734 @@
 </file>
 
 <file path=ppt/slides/slide2.xml><?xml version="1.0" encoding="utf-8"?>
+<p:sld xmlns:a="http://schemas.openxmlformats.org/drawingml/2006/main" xmlns:r="http://schemas.openxmlformats.org/officeDocument/2006/relationships" xmlns:p="http://schemas.openxmlformats.org/presentationml/2006/main">
+  <p:cSld>
+    <p:spTree>
+      <p:nvGrpSpPr>
+        <p:cNvPr id="1" name=""/>
+        <p:cNvGrpSpPr/>
+        <p:nvPr/>
+      </p:nvGrpSpPr>
+      <p:grpSpPr>
+        <a:xfrm>
+          <a:off x="0" y="0"/>
+          <a:ext cx="0" cy="0"/>
+          <a:chOff x="0" y="0"/>
+          <a:chExt cx="0" cy="0"/>
+        </a:xfrm>
+      </p:grpSpPr>
+      <p:cxnSp>
+        <p:nvCxnSpPr>
+          <p:cNvPr id="7" name="Connecteur droit 6"/>
+          <p:cNvCxnSpPr>
+            <a:stCxn id="4" idx="4"/>
+            <a:endCxn id="10" idx="0"/>
+          </p:cNvCxnSpPr>
+          <p:nvPr/>
+        </p:nvCxnSpPr>
+        <p:spPr>
+          <a:xfrm flipH="1">
+            <a:off x="1068169" y="2042973"/>
+            <a:ext cx="398" cy="84290"/>
+          </a:xfrm>
+          <a:prstGeom prst="line">
+            <a:avLst/>
+          </a:prstGeom>
+          <a:noFill/>
+          <a:ln w="12700">
+            <a:solidFill>
+              <a:schemeClr val="accent5">
+                <a:lumMod val="50000"/>
+              </a:schemeClr>
+            </a:solidFill>
+          </a:ln>
+        </p:spPr>
+        <p:style>
+          <a:lnRef idx="2">
+            <a:schemeClr val="accent1">
+              <a:shade val="50000"/>
+            </a:schemeClr>
+          </a:lnRef>
+          <a:fillRef idx="1">
+            <a:schemeClr val="accent1"/>
+          </a:fillRef>
+          <a:effectRef idx="0">
+            <a:schemeClr val="accent1"/>
+          </a:effectRef>
+          <a:fontRef idx="minor">
+            <a:schemeClr val="lt1"/>
+          </a:fontRef>
+        </p:style>
+      </p:cxnSp>
+      <p:sp>
+        <p:nvSpPr>
+          <p:cNvPr id="10" name="Rectangle 9"/>
+          <p:cNvSpPr/>
+          <p:nvPr/>
+        </p:nvSpPr>
+        <p:spPr>
+          <a:xfrm>
+            <a:off x="924684" y="2127263"/>
+            <a:ext cx="286969" cy="149609"/>
+          </a:xfrm>
+          <a:prstGeom prst="rect">
+            <a:avLst/>
+          </a:prstGeom>
+          <a:solidFill>
+            <a:schemeClr val="accent5">
+              <a:lumMod val="20000"/>
+              <a:lumOff val="80000"/>
+            </a:schemeClr>
+          </a:solidFill>
+          <a:ln>
+            <a:noFill/>
+          </a:ln>
+        </p:spPr>
+        <p:style>
+          <a:lnRef idx="2">
+            <a:schemeClr val="accent1">
+              <a:shade val="50000"/>
+            </a:schemeClr>
+          </a:lnRef>
+          <a:fillRef idx="1">
+            <a:schemeClr val="accent1"/>
+          </a:fillRef>
+          <a:effectRef idx="0">
+            <a:schemeClr val="accent1"/>
+          </a:effectRef>
+          <a:fontRef idx="minor">
+            <a:schemeClr val="lt1"/>
+          </a:fontRef>
+        </p:style>
+        <p:txBody>
+          <a:bodyPr rtlCol="0" anchor="ctr"/>
+          <a:lstStyle/>
+          <a:p>
+            <a:pPr algn="ctr"/>
+            <a:endParaRPr lang="fr-FR"/>
+          </a:p>
+        </p:txBody>
+      </p:sp>
+      <p:cxnSp>
+        <p:nvCxnSpPr>
+          <p:cNvPr id="8" name="Connecteur droit 7"/>
+          <p:cNvCxnSpPr/>
+          <p:nvPr/>
+        </p:nvCxnSpPr>
+        <p:spPr>
+          <a:xfrm flipH="1">
+            <a:off x="924685" y="2127263"/>
+            <a:ext cx="286969" cy="0"/>
+          </a:xfrm>
+          <a:prstGeom prst="line">
+            <a:avLst/>
+          </a:prstGeom>
+          <a:noFill/>
+          <a:ln w="12700">
+            <a:solidFill>
+              <a:schemeClr val="accent5">
+                <a:lumMod val="50000"/>
+              </a:schemeClr>
+            </a:solidFill>
+          </a:ln>
+        </p:spPr>
+        <p:style>
+          <a:lnRef idx="2">
+            <a:schemeClr val="accent1">
+              <a:shade val="50000"/>
+            </a:schemeClr>
+          </a:lnRef>
+          <a:fillRef idx="1">
+            <a:schemeClr val="accent1"/>
+          </a:fillRef>
+          <a:effectRef idx="0">
+            <a:schemeClr val="accent1"/>
+          </a:effectRef>
+          <a:fontRef idx="minor">
+            <a:schemeClr val="lt1"/>
+          </a:fontRef>
+        </p:style>
+      </p:cxnSp>
+      <p:cxnSp>
+        <p:nvCxnSpPr>
+          <p:cNvPr id="14" name="Connecteur droit 13"/>
+          <p:cNvCxnSpPr/>
+          <p:nvPr/>
+        </p:nvCxnSpPr>
+        <p:spPr>
+          <a:xfrm flipV="1">
+            <a:off x="1068567" y="1625772"/>
+            <a:ext cx="42467" cy="297620"/>
+          </a:xfrm>
+          <a:prstGeom prst="line">
+            <a:avLst/>
+          </a:prstGeom>
+          <a:noFill/>
+          <a:ln w="12700">
+            <a:solidFill>
+              <a:schemeClr val="accent5">
+                <a:lumMod val="50000"/>
+              </a:schemeClr>
+            </a:solidFill>
+          </a:ln>
+        </p:spPr>
+        <p:style>
+          <a:lnRef idx="2">
+            <a:schemeClr val="accent1">
+              <a:shade val="50000"/>
+            </a:schemeClr>
+          </a:lnRef>
+          <a:fillRef idx="1">
+            <a:schemeClr val="accent1"/>
+          </a:fillRef>
+          <a:effectRef idx="0">
+            <a:schemeClr val="accent1"/>
+          </a:effectRef>
+          <a:fontRef idx="minor">
+            <a:schemeClr val="lt1"/>
+          </a:fontRef>
+        </p:style>
+      </p:cxnSp>
+      <p:cxnSp>
+        <p:nvCxnSpPr>
+          <p:cNvPr id="20" name="Connecteur droit 19"/>
+          <p:cNvCxnSpPr/>
+          <p:nvPr/>
+        </p:nvCxnSpPr>
+        <p:spPr>
+          <a:xfrm flipV="1">
+            <a:off x="1111035" y="1387665"/>
+            <a:ext cx="185493" cy="238109"/>
+          </a:xfrm>
+          <a:prstGeom prst="line">
+            <a:avLst/>
+          </a:prstGeom>
+          <a:noFill/>
+          <a:ln w="12700">
+            <a:solidFill>
+              <a:schemeClr val="accent5">
+                <a:lumMod val="50000"/>
+              </a:schemeClr>
+            </a:solidFill>
+          </a:ln>
+        </p:spPr>
+        <p:style>
+          <a:lnRef idx="2">
+            <a:schemeClr val="accent1">
+              <a:shade val="50000"/>
+            </a:schemeClr>
+          </a:lnRef>
+          <a:fillRef idx="1">
+            <a:schemeClr val="accent1"/>
+          </a:fillRef>
+          <a:effectRef idx="0">
+            <a:schemeClr val="accent1"/>
+          </a:effectRef>
+          <a:fontRef idx="minor">
+            <a:schemeClr val="lt1"/>
+          </a:fontRef>
+        </p:style>
+      </p:cxnSp>
+      <p:cxnSp>
+        <p:nvCxnSpPr>
+          <p:cNvPr id="82" name="Connecteur droit 81"/>
+          <p:cNvCxnSpPr>
+            <a:stCxn id="69" idx="2"/>
+          </p:cNvCxnSpPr>
+          <p:nvPr/>
+        </p:nvCxnSpPr>
+        <p:spPr>
+          <a:xfrm flipH="1">
+            <a:off x="1296528" y="1387665"/>
+            <a:ext cx="203988" cy="0"/>
+          </a:xfrm>
+          <a:prstGeom prst="line">
+            <a:avLst/>
+          </a:prstGeom>
+          <a:noFill/>
+          <a:ln w="12700">
+            <a:solidFill>
+              <a:schemeClr val="accent5">
+                <a:lumMod val="50000"/>
+              </a:schemeClr>
+            </a:solidFill>
+          </a:ln>
+        </p:spPr>
+        <p:style>
+          <a:lnRef idx="2">
+            <a:schemeClr val="accent1">
+              <a:shade val="50000"/>
+            </a:schemeClr>
+          </a:lnRef>
+          <a:fillRef idx="1">
+            <a:schemeClr val="accent1"/>
+          </a:fillRef>
+          <a:effectRef idx="0">
+            <a:schemeClr val="accent1"/>
+          </a:effectRef>
+          <a:fontRef idx="minor">
+            <a:schemeClr val="lt1"/>
+          </a:fontRef>
+        </p:style>
+      </p:cxnSp>
+      <p:cxnSp>
+        <p:nvCxnSpPr>
+          <p:cNvPr id="85" name="Connecteur droit 84"/>
+          <p:cNvCxnSpPr>
+            <a:endCxn id="70" idx="5"/>
+          </p:cNvCxnSpPr>
+          <p:nvPr/>
+        </p:nvCxnSpPr>
+        <p:spPr>
+          <a:xfrm>
+            <a:off x="1620097" y="1403235"/>
+            <a:ext cx="255559" cy="302331"/>
+          </a:xfrm>
+          <a:prstGeom prst="line">
+            <a:avLst/>
+          </a:prstGeom>
+          <a:noFill/>
+          <a:ln w="12700">
+            <a:solidFill>
+              <a:schemeClr val="accent5">
+                <a:lumMod val="50000"/>
+              </a:schemeClr>
+            </a:solidFill>
+          </a:ln>
+        </p:spPr>
+        <p:style>
+          <a:lnRef idx="2">
+            <a:schemeClr val="accent1">
+              <a:shade val="50000"/>
+            </a:schemeClr>
+          </a:lnRef>
+          <a:fillRef idx="1">
+            <a:schemeClr val="accent1"/>
+          </a:fillRef>
+          <a:effectRef idx="0">
+            <a:schemeClr val="accent1"/>
+          </a:effectRef>
+          <a:fontRef idx="minor">
+            <a:schemeClr val="lt1"/>
+          </a:fontRef>
+        </p:style>
+      </p:cxnSp>
+      <p:cxnSp>
+        <p:nvCxnSpPr>
+          <p:cNvPr id="89" name="Connecteur droit 88"/>
+          <p:cNvCxnSpPr/>
+          <p:nvPr/>
+        </p:nvCxnSpPr>
+        <p:spPr>
+          <a:xfrm flipH="1" flipV="1">
+            <a:off x="1791099" y="1621009"/>
+            <a:ext cx="43375" cy="277529"/>
+          </a:xfrm>
+          <a:prstGeom prst="line">
+            <a:avLst/>
+          </a:prstGeom>
+          <a:noFill/>
+          <a:ln w="12700">
+            <a:solidFill>
+              <a:schemeClr val="accent5">
+                <a:lumMod val="50000"/>
+              </a:schemeClr>
+            </a:solidFill>
+          </a:ln>
+        </p:spPr>
+        <p:style>
+          <a:lnRef idx="2">
+            <a:schemeClr val="accent1">
+              <a:shade val="50000"/>
+            </a:schemeClr>
+          </a:lnRef>
+          <a:fillRef idx="1">
+            <a:schemeClr val="accent1"/>
+          </a:fillRef>
+          <a:effectRef idx="0">
+            <a:schemeClr val="accent1"/>
+          </a:effectRef>
+          <a:fontRef idx="minor">
+            <a:schemeClr val="lt1"/>
+          </a:fontRef>
+        </p:style>
+      </p:cxnSp>
+      <p:sp>
+        <p:nvSpPr>
+          <p:cNvPr id="4" name="Ellipse 3"/>
+          <p:cNvSpPr/>
+          <p:nvPr/>
+        </p:nvSpPr>
+        <p:spPr>
+          <a:xfrm>
+            <a:off x="948986" y="1803812"/>
+            <a:ext cx="239161" cy="239161"/>
+          </a:xfrm>
+          <a:prstGeom prst="ellipse">
+            <a:avLst/>
+          </a:prstGeom>
+          <a:solidFill>
+            <a:schemeClr val="bg1"/>
+          </a:solidFill>
+          <a:ln w="12700">
+            <a:solidFill>
+              <a:schemeClr val="accent5">
+                <a:lumMod val="50000"/>
+              </a:schemeClr>
+            </a:solidFill>
+          </a:ln>
+        </p:spPr>
+        <p:style>
+          <a:lnRef idx="2">
+            <a:schemeClr val="accent1">
+              <a:shade val="50000"/>
+            </a:schemeClr>
+          </a:lnRef>
+          <a:fillRef idx="1">
+            <a:schemeClr val="accent1"/>
+          </a:fillRef>
+          <a:effectRef idx="0">
+            <a:schemeClr val="accent1"/>
+          </a:effectRef>
+          <a:fontRef idx="minor">
+            <a:schemeClr val="lt1"/>
+          </a:fontRef>
+        </p:style>
+        <p:txBody>
+          <a:bodyPr lIns="0" tIns="0" rIns="0" bIns="0" rtlCol="0" anchor="ctr"/>
+          <a:lstStyle/>
+          <a:p>
+            <a:pPr algn="ctr"/>
+            <a:r>
+              <a:rPr lang="fr-FR" sz="1200" b="1" dirty="0" smtClean="0">
+                <a:solidFill>
+                  <a:schemeClr val="tx1"/>
+                </a:solidFill>
+              </a:rPr>
+              <a:t>1</a:t>
+            </a:r>
+            <a:endParaRPr lang="fr-FR" sz="1200" b="1" dirty="0">
+              <a:solidFill>
+                <a:schemeClr val="tx1"/>
+              </a:solidFill>
+            </a:endParaRPr>
+          </a:p>
+        </p:txBody>
+      </p:sp>
+      <p:sp>
+        <p:nvSpPr>
+          <p:cNvPr id="67" name="Ellipse 66"/>
+          <p:cNvSpPr/>
+          <p:nvPr/>
+        </p:nvSpPr>
+        <p:spPr>
+          <a:xfrm>
+            <a:off x="991454" y="1506192"/>
+            <a:ext cx="239161" cy="239161"/>
+          </a:xfrm>
+          <a:prstGeom prst="ellipse">
+            <a:avLst/>
+          </a:prstGeom>
+          <a:solidFill>
+            <a:schemeClr val="bg1"/>
+          </a:solidFill>
+          <a:ln w="12700">
+            <a:solidFill>
+              <a:schemeClr val="accent5">
+                <a:lumMod val="50000"/>
+              </a:schemeClr>
+            </a:solidFill>
+          </a:ln>
+        </p:spPr>
+        <p:style>
+          <a:lnRef idx="2">
+            <a:schemeClr val="accent1">
+              <a:shade val="50000"/>
+            </a:schemeClr>
+          </a:lnRef>
+          <a:fillRef idx="1">
+            <a:schemeClr val="accent1"/>
+          </a:fillRef>
+          <a:effectRef idx="0">
+            <a:schemeClr val="accent1"/>
+          </a:effectRef>
+          <a:fontRef idx="minor">
+            <a:schemeClr val="lt1"/>
+          </a:fontRef>
+        </p:style>
+        <p:txBody>
+          <a:bodyPr lIns="0" tIns="0" rIns="0" bIns="0" rtlCol="0" anchor="ctr"/>
+          <a:lstStyle/>
+          <a:p>
+            <a:pPr algn="ctr"/>
+            <a:r>
+              <a:rPr lang="fr-FR" sz="1200" b="1" dirty="0" smtClean="0">
+                <a:solidFill>
+                  <a:schemeClr val="tx1"/>
+                </a:solidFill>
+              </a:rPr>
+              <a:t>2</a:t>
+            </a:r>
+            <a:endParaRPr lang="fr-FR" sz="1200" b="1" dirty="0">
+              <a:solidFill>
+                <a:schemeClr val="tx1"/>
+              </a:solidFill>
+            </a:endParaRPr>
+          </a:p>
+        </p:txBody>
+      </p:sp>
+      <p:sp>
+        <p:nvSpPr>
+          <p:cNvPr id="68" name="Ellipse 67"/>
+          <p:cNvSpPr/>
+          <p:nvPr/>
+        </p:nvSpPr>
+        <p:spPr>
+          <a:xfrm>
+            <a:off x="1176948" y="1268084"/>
+            <a:ext cx="239161" cy="239161"/>
+          </a:xfrm>
+          <a:prstGeom prst="ellipse">
+            <a:avLst/>
+          </a:prstGeom>
+          <a:solidFill>
+            <a:schemeClr val="bg1"/>
+          </a:solidFill>
+          <a:ln w="12700">
+            <a:solidFill>
+              <a:schemeClr val="accent5">
+                <a:lumMod val="50000"/>
+              </a:schemeClr>
+            </a:solidFill>
+          </a:ln>
+        </p:spPr>
+        <p:style>
+          <a:lnRef idx="2">
+            <a:schemeClr val="accent1">
+              <a:shade val="50000"/>
+            </a:schemeClr>
+          </a:lnRef>
+          <a:fillRef idx="1">
+            <a:schemeClr val="accent1"/>
+          </a:fillRef>
+          <a:effectRef idx="0">
+            <a:schemeClr val="accent1"/>
+          </a:effectRef>
+          <a:fontRef idx="minor">
+            <a:schemeClr val="lt1"/>
+          </a:fontRef>
+        </p:style>
+        <p:txBody>
+          <a:bodyPr lIns="0" tIns="0" rIns="0" bIns="0" rtlCol="0" anchor="ctr"/>
+          <a:lstStyle/>
+          <a:p>
+            <a:pPr algn="ctr"/>
+            <a:r>
+              <a:rPr lang="fr-FR" sz="1200" b="1" dirty="0">
+                <a:solidFill>
+                  <a:schemeClr val="tx1"/>
+                </a:solidFill>
+              </a:rPr>
+              <a:t>3</a:t>
+            </a:r>
+          </a:p>
+        </p:txBody>
+      </p:sp>
+      <p:sp>
+        <p:nvSpPr>
+          <p:cNvPr id="71" name="Ellipse 70"/>
+          <p:cNvSpPr/>
+          <p:nvPr/>
+        </p:nvSpPr>
+        <p:spPr>
+          <a:xfrm>
+            <a:off x="1714893" y="1778958"/>
+            <a:ext cx="239161" cy="239161"/>
+          </a:xfrm>
+          <a:prstGeom prst="ellipse">
+            <a:avLst/>
+          </a:prstGeom>
+          <a:solidFill>
+            <a:schemeClr val="bg1"/>
+          </a:solidFill>
+          <a:ln w="12700">
+            <a:solidFill>
+              <a:schemeClr val="accent5">
+                <a:lumMod val="50000"/>
+              </a:schemeClr>
+            </a:solidFill>
+          </a:ln>
+        </p:spPr>
+        <p:style>
+          <a:lnRef idx="2">
+            <a:schemeClr val="accent1">
+              <a:shade val="50000"/>
+            </a:schemeClr>
+          </a:lnRef>
+          <a:fillRef idx="1">
+            <a:schemeClr val="accent1"/>
+          </a:fillRef>
+          <a:effectRef idx="0">
+            <a:schemeClr val="accent1"/>
+          </a:effectRef>
+          <a:fontRef idx="minor">
+            <a:schemeClr val="lt1"/>
+          </a:fontRef>
+        </p:style>
+        <p:txBody>
+          <a:bodyPr lIns="0" tIns="0" rIns="0" bIns="0" rtlCol="0" anchor="ctr"/>
+          <a:lstStyle/>
+          <a:p>
+            <a:pPr algn="ctr"/>
+            <a:r>
+              <a:rPr lang="fr-FR" sz="1200" b="1" dirty="0">
+                <a:solidFill>
+                  <a:schemeClr val="tx1"/>
+                </a:solidFill>
+              </a:rPr>
+              <a:t>6</a:t>
+            </a:r>
+          </a:p>
+        </p:txBody>
+      </p:sp>
+      <p:sp>
+        <p:nvSpPr>
+          <p:cNvPr id="69" name="Ellipse 68"/>
+          <p:cNvSpPr/>
+          <p:nvPr/>
+        </p:nvSpPr>
+        <p:spPr>
+          <a:xfrm>
+            <a:off x="1500516" y="1268084"/>
+            <a:ext cx="239161" cy="239161"/>
+          </a:xfrm>
+          <a:prstGeom prst="ellipse">
+            <a:avLst/>
+          </a:prstGeom>
+          <a:solidFill>
+            <a:schemeClr val="bg1"/>
+          </a:solidFill>
+          <a:ln w="12700">
+            <a:solidFill>
+              <a:schemeClr val="accent5">
+                <a:lumMod val="50000"/>
+              </a:schemeClr>
+            </a:solidFill>
+          </a:ln>
+        </p:spPr>
+        <p:style>
+          <a:lnRef idx="2">
+            <a:schemeClr val="accent1">
+              <a:shade val="50000"/>
+            </a:schemeClr>
+          </a:lnRef>
+          <a:fillRef idx="1">
+            <a:schemeClr val="accent1"/>
+          </a:fillRef>
+          <a:effectRef idx="0">
+            <a:schemeClr val="accent1"/>
+          </a:effectRef>
+          <a:fontRef idx="minor">
+            <a:schemeClr val="lt1"/>
+          </a:fontRef>
+        </p:style>
+        <p:txBody>
+          <a:bodyPr lIns="0" tIns="0" rIns="0" bIns="0" rtlCol="0" anchor="ctr"/>
+          <a:lstStyle/>
+          <a:p>
+            <a:pPr algn="ctr"/>
+            <a:r>
+              <a:rPr lang="fr-FR" sz="1200" b="1" dirty="0" smtClean="0">
+                <a:solidFill>
+                  <a:schemeClr val="tx1"/>
+                </a:solidFill>
+              </a:rPr>
+              <a:t>4</a:t>
+            </a:r>
+            <a:endParaRPr lang="fr-FR" sz="1200" b="1" dirty="0">
+              <a:solidFill>
+                <a:schemeClr val="tx1"/>
+              </a:solidFill>
+            </a:endParaRPr>
+          </a:p>
+        </p:txBody>
+      </p:sp>
+      <p:sp>
+        <p:nvSpPr>
+          <p:cNvPr id="70" name="Ellipse 69"/>
+          <p:cNvSpPr/>
+          <p:nvPr/>
+        </p:nvSpPr>
+        <p:spPr>
+          <a:xfrm>
+            <a:off x="1671519" y="1501429"/>
+            <a:ext cx="239161" cy="239161"/>
+          </a:xfrm>
+          <a:prstGeom prst="ellipse">
+            <a:avLst/>
+          </a:prstGeom>
+          <a:solidFill>
+            <a:schemeClr val="bg1"/>
+          </a:solidFill>
+          <a:ln w="12700">
+            <a:solidFill>
+              <a:schemeClr val="accent5">
+                <a:lumMod val="50000"/>
+              </a:schemeClr>
+            </a:solidFill>
+          </a:ln>
+        </p:spPr>
+        <p:style>
+          <a:lnRef idx="2">
+            <a:schemeClr val="accent1">
+              <a:shade val="50000"/>
+            </a:schemeClr>
+          </a:lnRef>
+          <a:fillRef idx="1">
+            <a:schemeClr val="accent1"/>
+          </a:fillRef>
+          <a:effectRef idx="0">
+            <a:schemeClr val="accent1"/>
+          </a:effectRef>
+          <a:fontRef idx="minor">
+            <a:schemeClr val="lt1"/>
+          </a:fontRef>
+        </p:style>
+        <p:txBody>
+          <a:bodyPr lIns="0" tIns="0" rIns="0" bIns="0" rtlCol="0" anchor="ctr"/>
+          <a:lstStyle/>
+          <a:p>
+            <a:pPr algn="ctr"/>
+            <a:r>
+              <a:rPr lang="fr-FR" sz="1200" b="1" dirty="0" smtClean="0">
+                <a:solidFill>
+                  <a:schemeClr val="tx1"/>
+                </a:solidFill>
+              </a:rPr>
+              <a:t>5</a:t>
+            </a:r>
+            <a:endParaRPr lang="fr-FR" sz="1200" b="1" dirty="0">
+              <a:solidFill>
+                <a:schemeClr val="tx1"/>
+              </a:solidFill>
+            </a:endParaRPr>
+          </a:p>
+        </p:txBody>
+      </p:sp>
+    </p:spTree>
+    <p:extLst>
+      <p:ext uri="{BB962C8B-B14F-4D97-AF65-F5344CB8AC3E}">
+        <p14:creationId xmlns:p14="http://schemas.microsoft.com/office/powerpoint/2010/main" val="1797144440"/>
+      </p:ext>
+    </p:extLst>
+  </p:cSld>
+  <p:clrMapOvr>
+    <a:masterClrMapping/>
+  </p:clrMapOvr>
+</p:sld>
+</file>
+
+<file path=ppt/slides/slide3.xml><?xml version="1.0" encoding="utf-8"?>
 <p:sld xmlns:a="http://schemas.openxmlformats.org/drawingml/2006/main" xmlns:r="http://schemas.openxmlformats.org/officeDocument/2006/relationships" xmlns:p="http://schemas.openxmlformats.org/presentationml/2006/main">
   <p:cSld>
     <p:spTree>
@@ -4565,8 +5402,8 @@
           </p:txBody>
         </p:sp>
       </p:grpSp>
-      <mc:AlternateContent xmlns:mc="http://schemas.openxmlformats.org/markup-compatibility/2006">
-        <mc:Choice xmlns:a14="http://schemas.microsoft.com/office/drawing/2010/main" Requires="a14">
+      <mc:AlternateContent xmlns:mc="http://schemas.openxmlformats.org/markup-compatibility/2006" xmlns:a14="http://schemas.microsoft.com/office/drawing/2010/main">
+        <mc:Choice Requires="a14">
           <p:sp>
             <p:nvSpPr>
               <p:cNvPr id="61" name="ZoneTexte 60"/>
@@ -4589,6 +5426,7 @@
               </a:bodyPr>
               <a:lstStyle/>
               <a:p>
+                <a:pPr/>
                 <a14:m>
                   <m:oMathPara xmlns:m="http://schemas.openxmlformats.org/officeDocument/2006/math">
                     <m:oMathParaPr>
@@ -4628,7 +5466,7 @@
             </p:txBody>
           </p:sp>
         </mc:Choice>
-        <mc:Fallback>
+        <mc:Fallback xmlns="">
           <p:sp>
             <p:nvSpPr>
               <p:cNvPr id="61" name="ZoneTexte 60"/>
@@ -4667,8 +5505,8 @@
           </p:sp>
         </mc:Fallback>
       </mc:AlternateContent>
-      <mc:AlternateContent xmlns:mc="http://schemas.openxmlformats.org/markup-compatibility/2006">
-        <mc:Choice xmlns:a14="http://schemas.microsoft.com/office/drawing/2010/main" Requires="a14">
+      <mc:AlternateContent xmlns:mc="http://schemas.openxmlformats.org/markup-compatibility/2006" xmlns:a14="http://schemas.microsoft.com/office/drawing/2010/main">
+        <mc:Choice Requires="a14">
           <p:sp>
             <p:nvSpPr>
               <p:cNvPr id="62" name="ZoneTexte 61"/>
@@ -4691,6 +5529,7 @@
               </a:bodyPr>
               <a:lstStyle/>
               <a:p>
+                <a:pPr/>
                 <a14:m>
                   <m:oMathPara xmlns:m="http://schemas.openxmlformats.org/officeDocument/2006/math">
                     <m:oMathParaPr>
@@ -4736,7 +5575,7 @@
             </p:txBody>
           </p:sp>
         </mc:Choice>
-        <mc:Fallback>
+        <mc:Fallback xmlns="">
           <p:sp>
             <p:nvSpPr>
               <p:cNvPr id="62" name="ZoneTexte 61"/>
@@ -4775,8 +5614,8 @@
           </p:sp>
         </mc:Fallback>
       </mc:AlternateContent>
-      <mc:AlternateContent xmlns:mc="http://schemas.openxmlformats.org/markup-compatibility/2006">
-        <mc:Choice xmlns:a14="http://schemas.microsoft.com/office/drawing/2010/main" Requires="a14">
+      <mc:AlternateContent xmlns:mc="http://schemas.openxmlformats.org/markup-compatibility/2006" xmlns:a14="http://schemas.microsoft.com/office/drawing/2010/main">
+        <mc:Choice Requires="a14">
           <p:sp>
             <p:nvSpPr>
               <p:cNvPr id="63" name="ZoneTexte 62"/>
@@ -4799,6 +5638,7 @@
               </a:bodyPr>
               <a:lstStyle/>
               <a:p>
+                <a:pPr/>
                 <a14:m>
                   <m:oMathPara xmlns:m="http://schemas.openxmlformats.org/officeDocument/2006/math">
                     <m:oMathParaPr>
@@ -4852,7 +5692,7 @@
             </p:txBody>
           </p:sp>
         </mc:Choice>
-        <mc:Fallback>
+        <mc:Fallback xmlns="">
           <p:sp>
             <p:nvSpPr>
               <p:cNvPr id="63" name="ZoneTexte 62"/>
@@ -4904,7 +5744,7 @@
 </p:sld>
 </file>
 
-<file path=ppt/slides/slide3.xml><?xml version="1.0" encoding="utf-8"?>
+<file path=ppt/slides/slide4.xml><?xml version="1.0" encoding="utf-8"?>
 <p:sld xmlns:a="http://schemas.openxmlformats.org/drawingml/2006/main" xmlns:r="http://schemas.openxmlformats.org/officeDocument/2006/relationships" xmlns:p="http://schemas.openxmlformats.org/presentationml/2006/main">
   <p:cSld>
     <p:spTree>
@@ -5334,8 +6174,8 @@
           </a:p>
         </p:txBody>
       </p:sp>
-      <mc:AlternateContent xmlns:mc="http://schemas.openxmlformats.org/markup-compatibility/2006">
-        <mc:Choice xmlns:a14="http://schemas.microsoft.com/office/drawing/2010/main" Requires="a14">
+      <mc:AlternateContent xmlns:mc="http://schemas.openxmlformats.org/markup-compatibility/2006" xmlns:a14="http://schemas.microsoft.com/office/drawing/2010/main">
+        <mc:Choice Requires="a14">
           <p:sp>
             <p:nvSpPr>
               <p:cNvPr id="11" name="ZoneTexte 10"/>
@@ -5358,6 +6198,7 @@
               </a:bodyPr>
               <a:lstStyle/>
               <a:p>
+                <a:pPr/>
                 <a14:m>
                   <m:oMathPara xmlns:m="http://schemas.openxmlformats.org/officeDocument/2006/math">
                     <m:oMathParaPr>
@@ -5405,7 +6246,7 @@
             </p:txBody>
           </p:sp>
         </mc:Choice>
-        <mc:Fallback>
+        <mc:Fallback xmlns="">
           <p:sp>
             <p:nvSpPr>
               <p:cNvPr id="11" name="ZoneTexte 10"/>
@@ -5444,8 +6285,8 @@
           </p:sp>
         </mc:Fallback>
       </mc:AlternateContent>
-      <mc:AlternateContent xmlns:mc="http://schemas.openxmlformats.org/markup-compatibility/2006">
-        <mc:Choice xmlns:a14="http://schemas.microsoft.com/office/drawing/2010/main" Requires="a14">
+      <mc:AlternateContent xmlns:mc="http://schemas.openxmlformats.org/markup-compatibility/2006" xmlns:a14="http://schemas.microsoft.com/office/drawing/2010/main">
+        <mc:Choice Requires="a14">
           <p:sp>
             <p:nvSpPr>
               <p:cNvPr id="44" name="ZoneTexte 43"/>
@@ -5468,6 +6309,7 @@
               </a:bodyPr>
               <a:lstStyle/>
               <a:p>
+                <a:pPr/>
                 <a14:m>
                   <m:oMathPara xmlns:m="http://schemas.openxmlformats.org/officeDocument/2006/math">
                     <m:oMathParaPr>
@@ -5515,7 +6357,7 @@
             </p:txBody>
           </p:sp>
         </mc:Choice>
-        <mc:Fallback>
+        <mc:Fallback xmlns="">
           <p:sp>
             <p:nvSpPr>
               <p:cNvPr id="44" name="ZoneTexte 43"/>
@@ -5554,8 +6396,8 @@
           </p:sp>
         </mc:Fallback>
       </mc:AlternateContent>
-      <mc:AlternateContent xmlns:mc="http://schemas.openxmlformats.org/markup-compatibility/2006">
-        <mc:Choice xmlns:a14="http://schemas.microsoft.com/office/drawing/2010/main" Requires="a14">
+      <mc:AlternateContent xmlns:mc="http://schemas.openxmlformats.org/markup-compatibility/2006" xmlns:a14="http://schemas.microsoft.com/office/drawing/2010/main">
+        <mc:Choice Requires="a14">
           <p:sp>
             <p:nvSpPr>
               <p:cNvPr id="50" name="ZoneTexte 49"/>
@@ -5578,6 +6420,7 @@
               </a:bodyPr>
               <a:lstStyle/>
               <a:p>
+                <a:pPr/>
                 <a14:m>
                   <m:oMathPara xmlns:m="http://schemas.openxmlformats.org/officeDocument/2006/math">
                     <m:oMathParaPr>
@@ -5625,7 +6468,7 @@
             </p:txBody>
           </p:sp>
         </mc:Choice>
-        <mc:Fallback>
+        <mc:Fallback xmlns="">
           <p:sp>
             <p:nvSpPr>
               <p:cNvPr id="50" name="ZoneTexte 49"/>
@@ -5978,8 +6821,8 @@
           </a:p>
         </p:txBody>
       </p:sp>
-      <mc:AlternateContent xmlns:mc="http://schemas.openxmlformats.org/markup-compatibility/2006">
-        <mc:Choice xmlns:a14="http://schemas.microsoft.com/office/drawing/2010/main" Requires="a14">
+      <mc:AlternateContent xmlns:mc="http://schemas.openxmlformats.org/markup-compatibility/2006" xmlns:a14="http://schemas.microsoft.com/office/drawing/2010/main">
+        <mc:Choice Requires="a14">
           <p:sp>
             <p:nvSpPr>
               <p:cNvPr id="64" name="ZoneTexte 63"/>
@@ -6002,6 +6845,7 @@
               </a:bodyPr>
               <a:lstStyle/>
               <a:p>
+                <a:pPr/>
                 <a14:m>
                   <m:oMathPara xmlns:m="http://schemas.openxmlformats.org/officeDocument/2006/math">
                     <m:oMathParaPr>
@@ -6049,7 +6893,7 @@
             </p:txBody>
           </p:sp>
         </mc:Choice>
-        <mc:Fallback>
+        <mc:Fallback xmlns="">
           <p:sp>
             <p:nvSpPr>
               <p:cNvPr id="64" name="ZoneTexte 63"/>
@@ -6144,7 +6988,7 @@
 </p:sld>
 </file>
 
-<file path=ppt/slides/slide4.xml><?xml version="1.0" encoding="utf-8"?>
+<file path=ppt/slides/slide5.xml><?xml version="1.0" encoding="utf-8"?>
 <p:sld xmlns:a="http://schemas.openxmlformats.org/drawingml/2006/main" xmlns:r="http://schemas.openxmlformats.org/officeDocument/2006/relationships" xmlns:p="http://schemas.openxmlformats.org/presentationml/2006/main">
   <p:cSld>
     <p:spTree>
@@ -6616,7 +7460,7 @@
 </p:sld>
 </file>
 
-<file path=ppt/slides/slide5.xml><?xml version="1.0" encoding="utf-8"?>
+<file path=ppt/slides/slide6.xml><?xml version="1.0" encoding="utf-8"?>
 <p:sld xmlns:a="http://schemas.openxmlformats.org/drawingml/2006/main" xmlns:r="http://schemas.openxmlformats.org/officeDocument/2006/relationships" xmlns:p="http://schemas.openxmlformats.org/presentationml/2006/main">
   <p:cSld>
     <p:spTree>

--- a/Chapitre_02_Hyperstatisme/Cours/images/Figures.pptx
+++ b/Chapitre_02_Hyperstatisme/Cours/images/Figures.pptx
@@ -3104,9 +3104,9 @@
           <p:nvPr/>
         </p:nvCxnSpPr>
         <p:spPr>
-          <a:xfrm flipH="1">
-            <a:off x="2411229" y="3020089"/>
-            <a:ext cx="398" cy="408911"/>
+          <a:xfrm>
+            <a:off x="2411229" y="3044916"/>
+            <a:ext cx="0" cy="384084"/>
           </a:xfrm>
           <a:prstGeom prst="line">
             <a:avLst/>
@@ -3800,8 +3800,8 @@
         </p:nvSpPr>
         <p:spPr>
           <a:xfrm>
-            <a:off x="2292046" y="2780928"/>
-            <a:ext cx="239161" cy="239161"/>
+            <a:off x="2303229" y="2828916"/>
+            <a:ext cx="216000" cy="216000"/>
           </a:xfrm>
           <a:prstGeom prst="ellipse">
             <a:avLst/>
@@ -3846,6 +3846,128 @@
           </a:p>
         </p:txBody>
       </p:sp>
+      <p:cxnSp>
+        <p:nvCxnSpPr>
+          <p:cNvPr id="21" name="Connecteur droit 20"/>
+          <p:cNvCxnSpPr/>
+          <p:nvPr/>
+        </p:nvCxnSpPr>
+        <p:spPr>
+          <a:xfrm flipH="1">
+            <a:off x="2987825" y="2018119"/>
+            <a:ext cx="398" cy="408911"/>
+          </a:xfrm>
+          <a:prstGeom prst="line">
+            <a:avLst/>
+          </a:prstGeom>
+          <a:noFill/>
+          <a:ln w="12700">
+            <a:solidFill>
+              <a:schemeClr val="accent5">
+                <a:lumMod val="50000"/>
+              </a:schemeClr>
+            </a:solidFill>
+          </a:ln>
+        </p:spPr>
+        <p:style>
+          <a:lnRef idx="2">
+            <a:schemeClr val="accent1">
+              <a:shade val="50000"/>
+            </a:schemeClr>
+          </a:lnRef>
+          <a:fillRef idx="1">
+            <a:schemeClr val="accent1"/>
+          </a:fillRef>
+          <a:effectRef idx="0">
+            <a:schemeClr val="accent1"/>
+          </a:effectRef>
+          <a:fontRef idx="minor">
+            <a:schemeClr val="lt1"/>
+          </a:fontRef>
+        </p:style>
+      </p:cxnSp>
+      <p:cxnSp>
+        <p:nvCxnSpPr>
+          <p:cNvPr id="26" name="Connecteur droit 25"/>
+          <p:cNvCxnSpPr/>
+          <p:nvPr/>
+        </p:nvCxnSpPr>
+        <p:spPr>
+          <a:xfrm>
+            <a:off x="2411229" y="2719523"/>
+            <a:ext cx="866222" cy="0"/>
+          </a:xfrm>
+          <a:prstGeom prst="line">
+            <a:avLst/>
+          </a:prstGeom>
+          <a:noFill/>
+          <a:ln w="9525">
+            <a:solidFill>
+              <a:schemeClr val="accent5">
+                <a:lumMod val="50000"/>
+              </a:schemeClr>
+            </a:solidFill>
+            <a:tailEnd type="stealth" w="med" len="lg"/>
+          </a:ln>
+        </p:spPr>
+        <p:style>
+          <a:lnRef idx="2">
+            <a:schemeClr val="accent1">
+              <a:shade val="50000"/>
+            </a:schemeClr>
+          </a:lnRef>
+          <a:fillRef idx="1">
+            <a:schemeClr val="accent1"/>
+          </a:fillRef>
+          <a:effectRef idx="0">
+            <a:schemeClr val="accent1"/>
+          </a:effectRef>
+          <a:fontRef idx="minor">
+            <a:schemeClr val="lt1"/>
+          </a:fontRef>
+        </p:style>
+      </p:cxnSp>
+      <p:cxnSp>
+        <p:nvCxnSpPr>
+          <p:cNvPr id="29" name="Connecteur droit 28"/>
+          <p:cNvCxnSpPr/>
+          <p:nvPr/>
+        </p:nvCxnSpPr>
+        <p:spPr>
+          <a:xfrm rot="16200000">
+            <a:off x="2122001" y="2395805"/>
+            <a:ext cx="866222" cy="0"/>
+          </a:xfrm>
+          <a:prstGeom prst="line">
+            <a:avLst/>
+          </a:prstGeom>
+          <a:noFill/>
+          <a:ln w="9525">
+            <a:solidFill>
+              <a:schemeClr val="accent5">
+                <a:lumMod val="50000"/>
+              </a:schemeClr>
+            </a:solidFill>
+            <a:tailEnd type="stealth" w="med" len="lg"/>
+          </a:ln>
+        </p:spPr>
+        <p:style>
+          <a:lnRef idx="2">
+            <a:schemeClr val="accent1">
+              <a:shade val="50000"/>
+            </a:schemeClr>
+          </a:lnRef>
+          <a:fillRef idx="1">
+            <a:schemeClr val="accent1"/>
+          </a:fillRef>
+          <a:effectRef idx="0">
+            <a:schemeClr val="accent1"/>
+          </a:effectRef>
+          <a:fontRef idx="minor">
+            <a:schemeClr val="lt1"/>
+          </a:fontRef>
+        </p:style>
+      </p:cxnSp>
     </p:spTree>
     <p:extLst>
       <p:ext uri="{BB962C8B-B14F-4D97-AF65-F5344CB8AC3E}">
